--- a/TRABAJO FINAL PROGRAMACión concurrente y distribuida.pptx
+++ b/TRABAJO FINAL PROGRAMACión concurrente y distribuida.pptx
@@ -109,6 +109,11 @@
       </a:defRPr>
     </a:lvl9pPr>
   </p:defaultTextStyle>
+  <p:extLst>
+    <p:ext uri="{EFAFB233-063F-42B5-8137-9DF3F51BA10A}">
+      <p15:sldGuideLst xmlns:p15="http://schemas.microsoft.com/office/powerpoint/2012/main"/>
+    </p:ext>
+  </p:extLst>
 </p:presentation>
 </file>
 
@@ -5965,12 +5970,16 @@
             <p:ph idx="1"/>
           </p:nvPr>
         </p:nvSpPr>
-        <p:spPr/>
+        <p:spPr>
+          <a:xfrm>
+            <a:off x="1626499" y="2666999"/>
+            <a:ext cx="9420912" cy="3124201"/>
+          </a:xfrm>
+        </p:spPr>
         <p:txBody>
           <a:bodyPr/>
           <a:lstStyle/>
           <a:p>
-            <a:pPr algn="r"/>
             <a:r>
               <a:rPr lang="es-PE" dirty="0"/>
               <a:t>REPOSITORIO: </a:t>
@@ -5982,6 +5991,26 @@
               <a:t>https://github.com/ValerieNamuche/ParallelLinearRegression</a:t>
             </a:r>
             <a:endParaRPr lang="es-PE" dirty="0"/>
+          </a:p>
+          <a:p>
+            <a:r>
+              <a:rPr lang="es-PE" dirty="0" err="1"/>
+              <a:t>Dataset</a:t>
+            </a:r>
+            <a:r>
+              <a:rPr lang="es-PE" dirty="0"/>
+              <a:t>: </a:t>
+            </a:r>
+            <a:r>
+              <a:rPr lang="es-PE" dirty="0">
+                <a:hlinkClick r:id="rId3"/>
+              </a:rPr>
+              <a:t>https://www.kaggle.com/kashnitsky/mlcourse</a:t>
+            </a:r>
+            <a:r>
+              <a:rPr lang="es-PE" dirty="0"/>
+              <a:t> </a:t>
+            </a:r>
           </a:p>
         </p:txBody>
       </p:sp>
